--- a/Syllabus/Lecture10/Lec10.pptx
+++ b/Syllabus/Lecture10/Lec10.pptx
@@ -16645,7 +16645,7 @@
         <p:spPr>
           <a:xfrm>
             <a:off x="894930" y="2654336"/>
-            <a:ext cx="5072285" cy="2308324"/>
+            <a:ext cx="5072285" cy="2677656"/>
           </a:xfrm>
           <a:prstGeom prst="rect">
             <a:avLst/>
@@ -16659,10 +16659,7 @@
           <a:lstStyle/>
           <a:p>
             <a:r>
-              <a:rPr lang="en-US" dirty="0">
-                <a:solidFill>
-                  <a:srgbClr val="292929"/>
-                </a:solidFill>
+              <a:rPr lang="en-US" sz="2800" dirty="0">
                 <a:latin typeface="charter"/>
               </a:rPr>
               <a:t>ANN has 3 layers of neurons:</a:t>
@@ -16674,10 +16671,7 @@
               <a:buAutoNum type="arabicPeriod"/>
             </a:pPr>
             <a:r>
-              <a:rPr lang="en-US" dirty="0">
-                <a:solidFill>
-                  <a:srgbClr val="292929"/>
-                </a:solidFill>
+              <a:rPr lang="en-US" sz="2800" dirty="0">
                 <a:latin typeface="charter"/>
               </a:rPr>
               <a:t> Input layer in orange</a:t>
@@ -16689,10 +16683,7 @@
               <a:buAutoNum type="arabicPeriod"/>
             </a:pPr>
             <a:r>
-              <a:rPr lang="en-US" dirty="0">
-                <a:solidFill>
-                  <a:srgbClr val="292929"/>
-                </a:solidFill>
+              <a:rPr lang="en-US" sz="2800" dirty="0">
                 <a:latin typeface="charter"/>
               </a:rPr>
               <a:t> First hidden layer in blue</a:t>
@@ -16704,10 +16695,7 @@
               <a:buAutoNum type="arabicPeriod"/>
             </a:pPr>
             <a:r>
-              <a:rPr lang="en-US" dirty="0">
-                <a:solidFill>
-                  <a:srgbClr val="292929"/>
-                </a:solidFill>
+              <a:rPr lang="en-US" sz="2800" dirty="0">
                 <a:latin typeface="charter"/>
               </a:rPr>
               <a:t> Second hidden layer in red</a:t>
@@ -16719,17 +16707,14 @@
               <a:buAutoNum type="arabicPeriod"/>
             </a:pPr>
             <a:r>
-              <a:rPr lang="en-US" dirty="0">
-                <a:solidFill>
-                  <a:srgbClr val="292929"/>
-                </a:solidFill>
+              <a:rPr lang="en-US" sz="2800" dirty="0">
                 <a:latin typeface="charter"/>
               </a:rPr>
               <a:t> Output layer in green</a:t>
             </a:r>
           </a:p>
           <a:p>
-            <a:endParaRPr lang="en-US" dirty="0"/>
+            <a:endParaRPr lang="en-US" sz="2800" dirty="0"/>
           </a:p>
         </p:txBody>
       </p:sp>
@@ -17204,7 +17189,7 @@
         <p:spPr>
           <a:xfrm>
             <a:off x="894930" y="2654336"/>
-            <a:ext cx="5929107" cy="1200329"/>
+            <a:ext cx="6283581" cy="1200329"/>
           </a:xfrm>
           <a:prstGeom prst="rect">
             <a:avLst/>
@@ -29680,7 +29665,7 @@
           <a:graphicData uri="http://schemas.openxmlformats.org/presentationml/2006/ole">
             <mc:AlternateContent xmlns:mc="http://schemas.openxmlformats.org/markup-compatibility/2006">
               <mc:Choice xmlns:v="urn:schemas-microsoft-com:vml" Requires="v">
-                <p:oleObj spid="_x0000_s34819" r:id="rId4" imgW="5829300" imgH="6896100" progId="Word.Document.8">
+                <p:oleObj spid="_x0000_s34821" r:id="rId4" imgW="5829300" imgH="6896100" progId="Word.Document.8">
                   <p:embed/>
                 </p:oleObj>
               </mc:Choice>
